--- a/MIRA.pptx
+++ b/MIRA.pptx
@@ -11,9 +11,9 @@
     <p:sldId id="259" r:id="rId5"/>
     <p:sldId id="260" r:id="rId6"/>
     <p:sldId id="261" r:id="rId7"/>
-    <p:sldId id="262" r:id="rId8"/>
-    <p:sldId id="263" r:id="rId9"/>
-    <p:sldId id="266" r:id="rId10"/>
+    <p:sldId id="266" r:id="rId8"/>
+    <p:sldId id="262" r:id="rId9"/>
+    <p:sldId id="263" r:id="rId10"/>
     <p:sldId id="264" r:id="rId11"/>
     <p:sldId id="265" r:id="rId12"/>
   </p:sldIdLst>
@@ -4983,400 +4983,6 @@
           <p:cNvPr id="2" name="Cím 1">
             <a:extLst>
               <a:ext uri="{FF2B5EF4-FFF2-40B4-BE49-F238E27FC236}">
-                <a16:creationId xmlns:a16="http://schemas.microsoft.com/office/drawing/2014/main" id="{C8D9B384-3D5F-4F52-B40D-94DF5D7C3968}"/>
-              </a:ext>
-            </a:extLst>
-          </p:cNvPr>
-          <p:cNvSpPr>
-            <a:spLocks noGrp="1"/>
-          </p:cNvSpPr>
-          <p:nvPr>
-            <p:ph type="title"/>
-          </p:nvPr>
-        </p:nvSpPr>
-        <p:spPr/>
-        <p:txBody>
-          <a:bodyPr/>
-          <a:lstStyle/>
-          <a:p>
-            <a:r>
-              <a:rPr lang="hu-HU" dirty="0"/>
-              <a:t>Eredmények 1</a:t>
-            </a:r>
-            <a:endParaRPr lang="en-US" dirty="0"/>
-          </a:p>
-        </p:txBody>
-      </p:sp>
-      <p:sp>
-        <p:nvSpPr>
-          <p:cNvPr id="3" name="Tartalom helye 2">
-            <a:extLst>
-              <a:ext uri="{FF2B5EF4-FFF2-40B4-BE49-F238E27FC236}">
-                <a16:creationId xmlns:a16="http://schemas.microsoft.com/office/drawing/2014/main" id="{502D31E6-660B-43A6-B571-59ECE8A66851}"/>
-              </a:ext>
-            </a:extLst>
-          </p:cNvPr>
-          <p:cNvSpPr>
-            <a:spLocks noGrp="1"/>
-          </p:cNvSpPr>
-          <p:nvPr>
-            <p:ph idx="1"/>
-          </p:nvPr>
-        </p:nvSpPr>
-        <p:spPr>
-          <a:xfrm>
-            <a:off x="1097280" y="1845734"/>
-            <a:ext cx="5916686" cy="4023360"/>
-          </a:xfrm>
-        </p:spPr>
-        <p:txBody>
-          <a:bodyPr>
-            <a:normAutofit/>
-          </a:bodyPr>
-          <a:lstStyle/>
-          <a:p>
-            <a:r>
-              <a:rPr lang="hu-HU" dirty="0"/>
-              <a:t>Feladat 2:</a:t>
-            </a:r>
-          </a:p>
-          <a:p>
-            <a:r>
-              <a:rPr lang="hu-HU" dirty="0"/>
-              <a:t>Tanulási folyamat során a háló túlzottan rátanult a t-1 időpillanat referencia értékeire. Egy kis zajt tett rá a szenzor jelekből</a:t>
-            </a:r>
-          </a:p>
-          <a:p>
-            <a:r>
-              <a:rPr lang="hu-HU" dirty="0"/>
-              <a:t>A háló referencia értékek nélkül nagyságrendekkel rosszabban teljesített.</a:t>
-            </a:r>
-          </a:p>
-          <a:p>
-            <a:endParaRPr lang="hu-HU" dirty="0"/>
-          </a:p>
-          <a:p>
-            <a:endParaRPr lang="hu-HU" dirty="0"/>
-          </a:p>
-          <a:p>
-            <a:r>
-              <a:rPr lang="hu-HU" dirty="0"/>
-              <a:t> </a:t>
-            </a:r>
-            <a:endParaRPr lang="en-US" dirty="0"/>
-          </a:p>
-        </p:txBody>
-      </p:sp>
-      <p:pic>
-        <p:nvPicPr>
-          <p:cNvPr id="6" name="Kép 5">
-            <a:extLst>
-              <a:ext uri="{FF2B5EF4-FFF2-40B4-BE49-F238E27FC236}">
-                <a16:creationId xmlns:a16="http://schemas.microsoft.com/office/drawing/2014/main" id="{4640E4D5-F9B4-445F-BE27-3F62AE855FA7}"/>
-              </a:ext>
-            </a:extLst>
-          </p:cNvPr>
-          <p:cNvPicPr>
-            <a:picLocks noChangeAspect="1"/>
-          </p:cNvPicPr>
-          <p:nvPr/>
-        </p:nvPicPr>
-        <p:blipFill>
-          <a:blip r:embed="rId2"/>
-          <a:stretch>
-            <a:fillRect/>
-          </a:stretch>
-        </p:blipFill>
-        <p:spPr>
-          <a:xfrm>
-            <a:off x="7013966" y="1845734"/>
-            <a:ext cx="3268168" cy="2157099"/>
-          </a:xfrm>
-          <a:prstGeom prst="rect">
-            <a:avLst/>
-          </a:prstGeom>
-        </p:spPr>
-      </p:pic>
-      <p:pic>
-        <p:nvPicPr>
-          <p:cNvPr id="8" name="Kép 7">
-            <a:extLst>
-              <a:ext uri="{FF2B5EF4-FFF2-40B4-BE49-F238E27FC236}">
-                <a16:creationId xmlns:a16="http://schemas.microsoft.com/office/drawing/2014/main" id="{1056E7AE-CB5D-4AB8-BFB9-A6CF576B3234}"/>
-              </a:ext>
-            </a:extLst>
-          </p:cNvPr>
-          <p:cNvPicPr>
-            <a:picLocks noChangeAspect="1"/>
-          </p:cNvPicPr>
-          <p:nvPr/>
-        </p:nvPicPr>
-        <p:blipFill>
-          <a:blip r:embed="rId3"/>
-          <a:stretch>
-            <a:fillRect/>
-          </a:stretch>
-        </p:blipFill>
-        <p:spPr>
-          <a:xfrm>
-            <a:off x="7013966" y="4042091"/>
-            <a:ext cx="3272840" cy="2157099"/>
-          </a:xfrm>
-          <a:prstGeom prst="rect">
-            <a:avLst/>
-          </a:prstGeom>
-        </p:spPr>
-      </p:pic>
-      <p:sp>
-        <p:nvSpPr>
-          <p:cNvPr id="9" name="Szövegdoboz 8">
-            <a:extLst>
-              <a:ext uri="{FF2B5EF4-FFF2-40B4-BE49-F238E27FC236}">
-                <a16:creationId xmlns:a16="http://schemas.microsoft.com/office/drawing/2014/main" id="{D25F57B8-0E37-4958-98CB-07FE78D2A3DE}"/>
-              </a:ext>
-            </a:extLst>
-          </p:cNvPr>
-          <p:cNvSpPr txBox="1"/>
-          <p:nvPr/>
-        </p:nvSpPr>
-        <p:spPr>
-          <a:xfrm>
-            <a:off x="7315200" y="4111207"/>
-            <a:ext cx="555921" cy="369332"/>
-          </a:xfrm>
-          <a:prstGeom prst="rect">
-            <a:avLst/>
-          </a:prstGeom>
-          <a:noFill/>
-        </p:spPr>
-        <p:txBody>
-          <a:bodyPr wrap="none" rtlCol="0">
-            <a:spAutoFit/>
-          </a:bodyPr>
-          <a:lstStyle/>
-          <a:p>
-            <a:r>
-              <a:rPr lang="hu-HU" dirty="0"/>
-              <a:t>Test</a:t>
-            </a:r>
-            <a:endParaRPr lang="en-US" dirty="0"/>
-          </a:p>
-        </p:txBody>
-      </p:sp>
-      <p:sp>
-        <p:nvSpPr>
-          <p:cNvPr id="10" name="Szövegdoboz 9">
-            <a:extLst>
-              <a:ext uri="{FF2B5EF4-FFF2-40B4-BE49-F238E27FC236}">
-                <a16:creationId xmlns:a16="http://schemas.microsoft.com/office/drawing/2014/main" id="{492E1299-B7B2-430C-8A88-6400701AF367}"/>
-              </a:ext>
-            </a:extLst>
-          </p:cNvPr>
-          <p:cNvSpPr txBox="1"/>
-          <p:nvPr/>
-        </p:nvSpPr>
-        <p:spPr>
-          <a:xfrm>
-            <a:off x="7315199" y="1970823"/>
-            <a:ext cx="643318" cy="369332"/>
-          </a:xfrm>
-          <a:prstGeom prst="rect">
-            <a:avLst/>
-          </a:prstGeom>
-          <a:noFill/>
-        </p:spPr>
-        <p:txBody>
-          <a:bodyPr wrap="none" rtlCol="0">
-            <a:spAutoFit/>
-          </a:bodyPr>
-          <a:lstStyle/>
-          <a:p>
-            <a:r>
-              <a:rPr lang="hu-HU" dirty="0" err="1"/>
-              <a:t>Train</a:t>
-            </a:r>
-            <a:endParaRPr lang="en-US" dirty="0"/>
-          </a:p>
-        </p:txBody>
-      </p:sp>
-    </p:spTree>
-    <p:extLst>
-      <p:ext uri="{BB962C8B-B14F-4D97-AF65-F5344CB8AC3E}">
-        <p14:creationId xmlns:p14="http://schemas.microsoft.com/office/powerpoint/2010/main" val="1995651681"/>
-      </p:ext>
-    </p:extLst>
-  </p:cSld>
-  <p:clrMapOvr>
-    <a:masterClrMapping/>
-  </p:clrMapOvr>
-</p:sld>
-</file>
-
-<file path=ppt/slides/slide8.xml><?xml version="1.0" encoding="utf-8"?>
-<p:sld xmlns:a="http://schemas.openxmlformats.org/drawingml/2006/main" xmlns:r="http://schemas.openxmlformats.org/officeDocument/2006/relationships" xmlns:p="http://schemas.openxmlformats.org/presentationml/2006/main">
-  <p:cSld>
-    <p:spTree>
-      <p:nvGrpSpPr>
-        <p:cNvPr id="1" name=""/>
-        <p:cNvGrpSpPr/>
-        <p:nvPr/>
-      </p:nvGrpSpPr>
-      <p:grpSpPr>
-        <a:xfrm>
-          <a:off x="0" y="0"/>
-          <a:ext cx="0" cy="0"/>
-          <a:chOff x="0" y="0"/>
-          <a:chExt cx="0" cy="0"/>
-        </a:xfrm>
-      </p:grpSpPr>
-      <p:sp>
-        <p:nvSpPr>
-          <p:cNvPr id="2" name="Cím 1">
-            <a:extLst>
-              <a:ext uri="{FF2B5EF4-FFF2-40B4-BE49-F238E27FC236}">
-                <a16:creationId xmlns:a16="http://schemas.microsoft.com/office/drawing/2014/main" id="{09D03F28-96AD-4644-A8CA-5DBE16C72162}"/>
-              </a:ext>
-            </a:extLst>
-          </p:cNvPr>
-          <p:cNvSpPr>
-            <a:spLocks noGrp="1"/>
-          </p:cNvSpPr>
-          <p:nvPr>
-            <p:ph type="title"/>
-          </p:nvPr>
-        </p:nvSpPr>
-        <p:spPr/>
-        <p:txBody>
-          <a:bodyPr/>
-          <a:lstStyle/>
-          <a:p>
-            <a:r>
-              <a:rPr lang="hu-HU" dirty="0"/>
-              <a:t>Eredmények 2</a:t>
-            </a:r>
-            <a:endParaRPr lang="en-US" dirty="0"/>
-          </a:p>
-        </p:txBody>
-      </p:sp>
-      <p:sp>
-        <p:nvSpPr>
-          <p:cNvPr id="3" name="Tartalom helye 2">
-            <a:extLst>
-              <a:ext uri="{FF2B5EF4-FFF2-40B4-BE49-F238E27FC236}">
-                <a16:creationId xmlns:a16="http://schemas.microsoft.com/office/drawing/2014/main" id="{E2DBAE66-A28F-4678-B972-46589A6D8C3D}"/>
-              </a:ext>
-            </a:extLst>
-          </p:cNvPr>
-          <p:cNvSpPr>
-            <a:spLocks noGrp="1"/>
-          </p:cNvSpPr>
-          <p:nvPr>
-            <p:ph idx="1"/>
-          </p:nvPr>
-        </p:nvSpPr>
-        <p:spPr>
-          <a:xfrm>
-            <a:off x="1097280" y="1845733"/>
-            <a:ext cx="4389120" cy="4331131"/>
-          </a:xfrm>
-        </p:spPr>
-        <p:txBody>
-          <a:bodyPr>
-            <a:normAutofit/>
-          </a:bodyPr>
-          <a:lstStyle/>
-          <a:p>
-            <a:r>
-              <a:rPr lang="hu-HU" dirty="0"/>
-              <a:t>Feladat 3:</a:t>
-            </a:r>
-          </a:p>
-          <a:p>
-            <a:r>
-              <a:rPr lang="hu-HU" dirty="0"/>
-              <a:t>A tanítás során teljesen külön kezeltük a szenzor jeleket és a referenciákat. Delta értékekkel delta értékekre tanítva a hálót az eredményt összegezve az alábbi pályát kaptuk.</a:t>
-            </a:r>
-          </a:p>
-          <a:p>
-            <a:r>
-              <a:rPr lang="hu-HU" dirty="0"/>
-              <a:t>A pálya jellege hasonlít az eredetire. A fő eltérést az orientáció becslés pontatlansága okozhatja. </a:t>
-            </a:r>
-          </a:p>
-          <a:p>
-            <a:r>
-              <a:rPr lang="hu-HU" dirty="0"/>
-              <a:t>Oka: A robot és a mérőrendszer koordináta rendszere nincs egyeztetve. A delta adatok összegzésénél okozhatott hibát.</a:t>
-            </a:r>
-            <a:endParaRPr lang="en-US" dirty="0"/>
-          </a:p>
-        </p:txBody>
-      </p:sp>
-      <p:pic>
-        <p:nvPicPr>
-          <p:cNvPr id="4" name="Kép 3">
-            <a:extLst>
-              <a:ext uri="{FF2B5EF4-FFF2-40B4-BE49-F238E27FC236}">
-                <a16:creationId xmlns:a16="http://schemas.microsoft.com/office/drawing/2014/main" id="{45BBC0F9-0C63-4C75-BFEF-089DFC203D5D}"/>
-              </a:ext>
-            </a:extLst>
-          </p:cNvPr>
-          <p:cNvPicPr>
-            <a:picLocks noChangeAspect="1"/>
-          </p:cNvPicPr>
-          <p:nvPr/>
-        </p:nvPicPr>
-        <p:blipFill>
-          <a:blip r:embed="rId2"/>
-          <a:stretch>
-            <a:fillRect/>
-          </a:stretch>
-        </p:blipFill>
-        <p:spPr>
-          <a:xfrm>
-            <a:off x="6330665" y="2206518"/>
-            <a:ext cx="4825015" cy="3111931"/>
-          </a:xfrm>
-          <a:prstGeom prst="rect">
-            <a:avLst/>
-          </a:prstGeom>
-        </p:spPr>
-      </p:pic>
-    </p:spTree>
-    <p:extLst>
-      <p:ext uri="{BB962C8B-B14F-4D97-AF65-F5344CB8AC3E}">
-        <p14:creationId xmlns:p14="http://schemas.microsoft.com/office/powerpoint/2010/main" val="3562684380"/>
-      </p:ext>
-    </p:extLst>
-  </p:cSld>
-  <p:clrMapOvr>
-    <a:masterClrMapping/>
-  </p:clrMapOvr>
-</p:sld>
-</file>
-
-<file path=ppt/slides/slide9.xml><?xml version="1.0" encoding="utf-8"?>
-<p:sld xmlns:a="http://schemas.openxmlformats.org/drawingml/2006/main" xmlns:r="http://schemas.openxmlformats.org/officeDocument/2006/relationships" xmlns:p="http://schemas.openxmlformats.org/presentationml/2006/main">
-  <p:cSld>
-    <p:spTree>
-      <p:nvGrpSpPr>
-        <p:cNvPr id="1" name=""/>
-        <p:cNvGrpSpPr/>
-        <p:nvPr/>
-      </p:nvGrpSpPr>
-      <p:grpSpPr>
-        <a:xfrm>
-          <a:off x="0" y="0"/>
-          <a:ext cx="0" cy="0"/>
-          <a:chOff x="0" y="0"/>
-          <a:chExt cx="0" cy="0"/>
-        </a:xfrm>
-      </p:grpSpPr>
-      <p:sp>
-        <p:nvSpPr>
-          <p:cNvPr id="2" name="Cím 1">
-            <a:extLst>
-              <a:ext uri="{FF2B5EF4-FFF2-40B4-BE49-F238E27FC236}">
                 <a16:creationId xmlns:a16="http://schemas.microsoft.com/office/drawing/2014/main" id="{5A8FC9DF-FB91-4C85-A315-2F92E84212BE}"/>
               </a:ext>
             </a:extLst>
@@ -5749,6 +5355,400 @@
     <p:extLst>
       <p:ext uri="{BB962C8B-B14F-4D97-AF65-F5344CB8AC3E}">
         <p14:creationId xmlns:p14="http://schemas.microsoft.com/office/powerpoint/2010/main" val="3478513741"/>
+      </p:ext>
+    </p:extLst>
+  </p:cSld>
+  <p:clrMapOvr>
+    <a:masterClrMapping/>
+  </p:clrMapOvr>
+</p:sld>
+</file>
+
+<file path=ppt/slides/slide8.xml><?xml version="1.0" encoding="utf-8"?>
+<p:sld xmlns:a="http://schemas.openxmlformats.org/drawingml/2006/main" xmlns:r="http://schemas.openxmlformats.org/officeDocument/2006/relationships" xmlns:p="http://schemas.openxmlformats.org/presentationml/2006/main">
+  <p:cSld>
+    <p:spTree>
+      <p:nvGrpSpPr>
+        <p:cNvPr id="1" name=""/>
+        <p:cNvGrpSpPr/>
+        <p:nvPr/>
+      </p:nvGrpSpPr>
+      <p:grpSpPr>
+        <a:xfrm>
+          <a:off x="0" y="0"/>
+          <a:ext cx="0" cy="0"/>
+          <a:chOff x="0" y="0"/>
+          <a:chExt cx="0" cy="0"/>
+        </a:xfrm>
+      </p:grpSpPr>
+      <p:sp>
+        <p:nvSpPr>
+          <p:cNvPr id="2" name="Cím 1">
+            <a:extLst>
+              <a:ext uri="{FF2B5EF4-FFF2-40B4-BE49-F238E27FC236}">
+                <a16:creationId xmlns:a16="http://schemas.microsoft.com/office/drawing/2014/main" id="{C8D9B384-3D5F-4F52-B40D-94DF5D7C3968}"/>
+              </a:ext>
+            </a:extLst>
+          </p:cNvPr>
+          <p:cNvSpPr>
+            <a:spLocks noGrp="1"/>
+          </p:cNvSpPr>
+          <p:nvPr>
+            <p:ph type="title"/>
+          </p:nvPr>
+        </p:nvSpPr>
+        <p:spPr/>
+        <p:txBody>
+          <a:bodyPr/>
+          <a:lstStyle/>
+          <a:p>
+            <a:r>
+              <a:rPr lang="hu-HU" dirty="0"/>
+              <a:t>Eredmények 1</a:t>
+            </a:r>
+            <a:endParaRPr lang="en-US" dirty="0"/>
+          </a:p>
+        </p:txBody>
+      </p:sp>
+      <p:sp>
+        <p:nvSpPr>
+          <p:cNvPr id="3" name="Tartalom helye 2">
+            <a:extLst>
+              <a:ext uri="{FF2B5EF4-FFF2-40B4-BE49-F238E27FC236}">
+                <a16:creationId xmlns:a16="http://schemas.microsoft.com/office/drawing/2014/main" id="{502D31E6-660B-43A6-B571-59ECE8A66851}"/>
+              </a:ext>
+            </a:extLst>
+          </p:cNvPr>
+          <p:cNvSpPr>
+            <a:spLocks noGrp="1"/>
+          </p:cNvSpPr>
+          <p:nvPr>
+            <p:ph idx="1"/>
+          </p:nvPr>
+        </p:nvSpPr>
+        <p:spPr>
+          <a:xfrm>
+            <a:off x="1097280" y="1845734"/>
+            <a:ext cx="5916686" cy="4023360"/>
+          </a:xfrm>
+        </p:spPr>
+        <p:txBody>
+          <a:bodyPr>
+            <a:normAutofit/>
+          </a:bodyPr>
+          <a:lstStyle/>
+          <a:p>
+            <a:r>
+              <a:rPr lang="hu-HU" dirty="0"/>
+              <a:t>Feladat 2:</a:t>
+            </a:r>
+          </a:p>
+          <a:p>
+            <a:r>
+              <a:rPr lang="hu-HU" dirty="0"/>
+              <a:t>Tanulási folyamat során a háló túlzottan rátanult a t-1 időpillanat referencia értékeire. Egy kis zajt tett rá a szenzor jelekből</a:t>
+            </a:r>
+          </a:p>
+          <a:p>
+            <a:r>
+              <a:rPr lang="hu-HU" dirty="0"/>
+              <a:t>A háló referencia értékek nélkül nagyságrendekkel rosszabban teljesített.</a:t>
+            </a:r>
+          </a:p>
+          <a:p>
+            <a:endParaRPr lang="hu-HU" dirty="0"/>
+          </a:p>
+          <a:p>
+            <a:endParaRPr lang="hu-HU" dirty="0"/>
+          </a:p>
+          <a:p>
+            <a:r>
+              <a:rPr lang="hu-HU" dirty="0"/>
+              <a:t> </a:t>
+            </a:r>
+            <a:endParaRPr lang="en-US" dirty="0"/>
+          </a:p>
+        </p:txBody>
+      </p:sp>
+      <p:pic>
+        <p:nvPicPr>
+          <p:cNvPr id="6" name="Kép 5">
+            <a:extLst>
+              <a:ext uri="{FF2B5EF4-FFF2-40B4-BE49-F238E27FC236}">
+                <a16:creationId xmlns:a16="http://schemas.microsoft.com/office/drawing/2014/main" id="{4640E4D5-F9B4-445F-BE27-3F62AE855FA7}"/>
+              </a:ext>
+            </a:extLst>
+          </p:cNvPr>
+          <p:cNvPicPr>
+            <a:picLocks noChangeAspect="1"/>
+          </p:cNvPicPr>
+          <p:nvPr/>
+        </p:nvPicPr>
+        <p:blipFill>
+          <a:blip r:embed="rId2"/>
+          <a:stretch>
+            <a:fillRect/>
+          </a:stretch>
+        </p:blipFill>
+        <p:spPr>
+          <a:xfrm>
+            <a:off x="7013966" y="1845734"/>
+            <a:ext cx="3268168" cy="2157099"/>
+          </a:xfrm>
+          <a:prstGeom prst="rect">
+            <a:avLst/>
+          </a:prstGeom>
+        </p:spPr>
+      </p:pic>
+      <p:pic>
+        <p:nvPicPr>
+          <p:cNvPr id="8" name="Kép 7">
+            <a:extLst>
+              <a:ext uri="{FF2B5EF4-FFF2-40B4-BE49-F238E27FC236}">
+                <a16:creationId xmlns:a16="http://schemas.microsoft.com/office/drawing/2014/main" id="{1056E7AE-CB5D-4AB8-BFB9-A6CF576B3234}"/>
+              </a:ext>
+            </a:extLst>
+          </p:cNvPr>
+          <p:cNvPicPr>
+            <a:picLocks noChangeAspect="1"/>
+          </p:cNvPicPr>
+          <p:nvPr/>
+        </p:nvPicPr>
+        <p:blipFill>
+          <a:blip r:embed="rId3"/>
+          <a:stretch>
+            <a:fillRect/>
+          </a:stretch>
+        </p:blipFill>
+        <p:spPr>
+          <a:xfrm>
+            <a:off x="7013966" y="4042091"/>
+            <a:ext cx="3272840" cy="2157099"/>
+          </a:xfrm>
+          <a:prstGeom prst="rect">
+            <a:avLst/>
+          </a:prstGeom>
+        </p:spPr>
+      </p:pic>
+      <p:sp>
+        <p:nvSpPr>
+          <p:cNvPr id="9" name="Szövegdoboz 8">
+            <a:extLst>
+              <a:ext uri="{FF2B5EF4-FFF2-40B4-BE49-F238E27FC236}">
+                <a16:creationId xmlns:a16="http://schemas.microsoft.com/office/drawing/2014/main" id="{D25F57B8-0E37-4958-98CB-07FE78D2A3DE}"/>
+              </a:ext>
+            </a:extLst>
+          </p:cNvPr>
+          <p:cNvSpPr txBox="1"/>
+          <p:nvPr/>
+        </p:nvSpPr>
+        <p:spPr>
+          <a:xfrm>
+            <a:off x="7315200" y="4111207"/>
+            <a:ext cx="555921" cy="369332"/>
+          </a:xfrm>
+          <a:prstGeom prst="rect">
+            <a:avLst/>
+          </a:prstGeom>
+          <a:noFill/>
+        </p:spPr>
+        <p:txBody>
+          <a:bodyPr wrap="none" rtlCol="0">
+            <a:spAutoFit/>
+          </a:bodyPr>
+          <a:lstStyle/>
+          <a:p>
+            <a:r>
+              <a:rPr lang="hu-HU" dirty="0"/>
+              <a:t>Test</a:t>
+            </a:r>
+            <a:endParaRPr lang="en-US" dirty="0"/>
+          </a:p>
+        </p:txBody>
+      </p:sp>
+      <p:sp>
+        <p:nvSpPr>
+          <p:cNvPr id="10" name="Szövegdoboz 9">
+            <a:extLst>
+              <a:ext uri="{FF2B5EF4-FFF2-40B4-BE49-F238E27FC236}">
+                <a16:creationId xmlns:a16="http://schemas.microsoft.com/office/drawing/2014/main" id="{492E1299-B7B2-430C-8A88-6400701AF367}"/>
+              </a:ext>
+            </a:extLst>
+          </p:cNvPr>
+          <p:cNvSpPr txBox="1"/>
+          <p:nvPr/>
+        </p:nvSpPr>
+        <p:spPr>
+          <a:xfrm>
+            <a:off x="7315199" y="1970823"/>
+            <a:ext cx="643318" cy="369332"/>
+          </a:xfrm>
+          <a:prstGeom prst="rect">
+            <a:avLst/>
+          </a:prstGeom>
+          <a:noFill/>
+        </p:spPr>
+        <p:txBody>
+          <a:bodyPr wrap="none" rtlCol="0">
+            <a:spAutoFit/>
+          </a:bodyPr>
+          <a:lstStyle/>
+          <a:p>
+            <a:r>
+              <a:rPr lang="hu-HU" dirty="0" err="1"/>
+              <a:t>Train</a:t>
+            </a:r>
+            <a:endParaRPr lang="en-US" dirty="0"/>
+          </a:p>
+        </p:txBody>
+      </p:sp>
+    </p:spTree>
+    <p:extLst>
+      <p:ext uri="{BB962C8B-B14F-4D97-AF65-F5344CB8AC3E}">
+        <p14:creationId xmlns:p14="http://schemas.microsoft.com/office/powerpoint/2010/main" val="1995651681"/>
+      </p:ext>
+    </p:extLst>
+  </p:cSld>
+  <p:clrMapOvr>
+    <a:masterClrMapping/>
+  </p:clrMapOvr>
+</p:sld>
+</file>
+
+<file path=ppt/slides/slide9.xml><?xml version="1.0" encoding="utf-8"?>
+<p:sld xmlns:a="http://schemas.openxmlformats.org/drawingml/2006/main" xmlns:r="http://schemas.openxmlformats.org/officeDocument/2006/relationships" xmlns:p="http://schemas.openxmlformats.org/presentationml/2006/main">
+  <p:cSld>
+    <p:spTree>
+      <p:nvGrpSpPr>
+        <p:cNvPr id="1" name=""/>
+        <p:cNvGrpSpPr/>
+        <p:nvPr/>
+      </p:nvGrpSpPr>
+      <p:grpSpPr>
+        <a:xfrm>
+          <a:off x="0" y="0"/>
+          <a:ext cx="0" cy="0"/>
+          <a:chOff x="0" y="0"/>
+          <a:chExt cx="0" cy="0"/>
+        </a:xfrm>
+      </p:grpSpPr>
+      <p:sp>
+        <p:nvSpPr>
+          <p:cNvPr id="2" name="Cím 1">
+            <a:extLst>
+              <a:ext uri="{FF2B5EF4-FFF2-40B4-BE49-F238E27FC236}">
+                <a16:creationId xmlns:a16="http://schemas.microsoft.com/office/drawing/2014/main" id="{09D03F28-96AD-4644-A8CA-5DBE16C72162}"/>
+              </a:ext>
+            </a:extLst>
+          </p:cNvPr>
+          <p:cNvSpPr>
+            <a:spLocks noGrp="1"/>
+          </p:cNvSpPr>
+          <p:nvPr>
+            <p:ph type="title"/>
+          </p:nvPr>
+        </p:nvSpPr>
+        <p:spPr/>
+        <p:txBody>
+          <a:bodyPr/>
+          <a:lstStyle/>
+          <a:p>
+            <a:r>
+              <a:rPr lang="hu-HU" dirty="0"/>
+              <a:t>Eredmények 2</a:t>
+            </a:r>
+            <a:endParaRPr lang="en-US" dirty="0"/>
+          </a:p>
+        </p:txBody>
+      </p:sp>
+      <p:sp>
+        <p:nvSpPr>
+          <p:cNvPr id="3" name="Tartalom helye 2">
+            <a:extLst>
+              <a:ext uri="{FF2B5EF4-FFF2-40B4-BE49-F238E27FC236}">
+                <a16:creationId xmlns:a16="http://schemas.microsoft.com/office/drawing/2014/main" id="{E2DBAE66-A28F-4678-B972-46589A6D8C3D}"/>
+              </a:ext>
+            </a:extLst>
+          </p:cNvPr>
+          <p:cNvSpPr>
+            <a:spLocks noGrp="1"/>
+          </p:cNvSpPr>
+          <p:nvPr>
+            <p:ph idx="1"/>
+          </p:nvPr>
+        </p:nvSpPr>
+        <p:spPr>
+          <a:xfrm>
+            <a:off x="1097280" y="1845733"/>
+            <a:ext cx="4389120" cy="4331131"/>
+          </a:xfrm>
+        </p:spPr>
+        <p:txBody>
+          <a:bodyPr>
+            <a:normAutofit/>
+          </a:bodyPr>
+          <a:lstStyle/>
+          <a:p>
+            <a:r>
+              <a:rPr lang="hu-HU" dirty="0"/>
+              <a:t>Feladat 3:</a:t>
+            </a:r>
+          </a:p>
+          <a:p>
+            <a:r>
+              <a:rPr lang="hu-HU" dirty="0"/>
+              <a:t>A tanítás során teljesen külön kezeltük a szenzor jeleket és a referenciákat. Delta értékekkel delta értékekre tanítva a hálót az eredményt összegezve az alábbi pályát kaptuk.</a:t>
+            </a:r>
+          </a:p>
+          <a:p>
+            <a:r>
+              <a:rPr lang="hu-HU" dirty="0"/>
+              <a:t>A pálya jellege hasonlít az eredetire. A fő eltérést az orientáció becslés pontatlansága okozhatja. </a:t>
+            </a:r>
+          </a:p>
+          <a:p>
+            <a:r>
+              <a:rPr lang="hu-HU" dirty="0"/>
+              <a:t>Oka: A robot és a mérőrendszer koordináta rendszere nincs egyeztetve. A delta adatok összegzésénél okozhatott hibát.</a:t>
+            </a:r>
+            <a:endParaRPr lang="en-US" dirty="0"/>
+          </a:p>
+        </p:txBody>
+      </p:sp>
+      <p:pic>
+        <p:nvPicPr>
+          <p:cNvPr id="4" name="Kép 3">
+            <a:extLst>
+              <a:ext uri="{FF2B5EF4-FFF2-40B4-BE49-F238E27FC236}">
+                <a16:creationId xmlns:a16="http://schemas.microsoft.com/office/drawing/2014/main" id="{45BBC0F9-0C63-4C75-BFEF-089DFC203D5D}"/>
+              </a:ext>
+            </a:extLst>
+          </p:cNvPr>
+          <p:cNvPicPr>
+            <a:picLocks noChangeAspect="1"/>
+          </p:cNvPicPr>
+          <p:nvPr/>
+        </p:nvPicPr>
+        <p:blipFill>
+          <a:blip r:embed="rId2"/>
+          <a:stretch>
+            <a:fillRect/>
+          </a:stretch>
+        </p:blipFill>
+        <p:spPr>
+          <a:xfrm>
+            <a:off x="6330665" y="2206518"/>
+            <a:ext cx="4825015" cy="3111931"/>
+          </a:xfrm>
+          <a:prstGeom prst="rect">
+            <a:avLst/>
+          </a:prstGeom>
+        </p:spPr>
+      </p:pic>
+    </p:spTree>
+    <p:extLst>
+      <p:ext uri="{BB962C8B-B14F-4D97-AF65-F5344CB8AC3E}">
+        <p14:creationId xmlns:p14="http://schemas.microsoft.com/office/powerpoint/2010/main" val="3562684380"/>
       </p:ext>
     </p:extLst>
   </p:cSld>

--- a/MIRA.pptx
+++ b/MIRA.pptx
@@ -4711,6 +4711,42 @@
           </a:prstGeom>
         </p:spPr>
       </p:pic>
+      <p:sp>
+        <p:nvSpPr>
+          <p:cNvPr id="5" name="Szövegdoboz 4">
+            <a:extLst>
+              <a:ext uri="{FF2B5EF4-FFF2-40B4-BE49-F238E27FC236}">
+                <a16:creationId xmlns:a16="http://schemas.microsoft.com/office/drawing/2014/main" id="{C3A6378E-4754-443C-84C9-5ECEDE88625A}"/>
+              </a:ext>
+            </a:extLst>
+          </p:cNvPr>
+          <p:cNvSpPr txBox="1"/>
+          <p:nvPr/>
+        </p:nvSpPr>
+        <p:spPr>
+          <a:xfrm>
+            <a:off x="8395191" y="5700165"/>
+            <a:ext cx="1833835" cy="369332"/>
+          </a:xfrm>
+          <a:prstGeom prst="rect">
+            <a:avLst/>
+          </a:prstGeom>
+          <a:noFill/>
+        </p:spPr>
+        <p:txBody>
+          <a:bodyPr wrap="none" rtlCol="0">
+            <a:spAutoFit/>
+          </a:bodyPr>
+          <a:lstStyle/>
+          <a:p>
+            <a:r>
+              <a:rPr lang="hu-HU" dirty="0"/>
+              <a:t>7678 mérési pont</a:t>
+            </a:r>
+            <a:endParaRPr lang="en-US" dirty="0"/>
+          </a:p>
+        </p:txBody>
+      </p:sp>
     </p:spTree>
     <p:extLst>
       <p:ext uri="{BB962C8B-B14F-4D97-AF65-F5344CB8AC3E}">
